--- a/clase5/teorica_5.pptx
+++ b/clase5/teorica_5.pptx
@@ -5,7 +5,7 @@
     <p:sldMasterId id="2147483659" r:id="rId1"/>
   </p:sldMasterIdLst>
   <p:notesMasterIdLst>
-    <p:notesMasterId r:id="rId26"/>
+    <p:notesMasterId r:id="rId27"/>
   </p:notesMasterIdLst>
   <p:sldIdLst>
     <p:sldId id="256" r:id="rId2"/>
@@ -30,29 +30,30 @@
     <p:sldId id="363" r:id="rId21"/>
     <p:sldId id="360" r:id="rId22"/>
     <p:sldId id="364" r:id="rId23"/>
-    <p:sldId id="343" r:id="rId24"/>
-    <p:sldId id="345" r:id="rId25"/>
+    <p:sldId id="296" r:id="rId24"/>
+    <p:sldId id="343" r:id="rId25"/>
+    <p:sldId id="345" r:id="rId26"/>
   </p:sldIdLst>
   <p:sldSz cx="9144000" cy="5143500" type="screen16x9"/>
   <p:notesSz cx="6858000" cy="9144000"/>
   <p:embeddedFontLst>
     <p:embeddedFont>
       <p:font typeface="Cambria Math" panose="02040503050406030204" pitchFamily="18" charset="0"/>
-      <p:regular r:id="rId27"/>
+      <p:regular r:id="rId28"/>
     </p:embeddedFont>
     <p:embeddedFont>
       <p:font typeface="Georgia" panose="02040502050405020303" pitchFamily="18" charset="0"/>
-      <p:regular r:id="rId28"/>
-      <p:bold r:id="rId29"/>
-      <p:italic r:id="rId30"/>
-      <p:boldItalic r:id="rId31"/>
+      <p:regular r:id="rId29"/>
+      <p:bold r:id="rId30"/>
+      <p:italic r:id="rId31"/>
+      <p:boldItalic r:id="rId32"/>
     </p:embeddedFont>
     <p:embeddedFont>
       <p:font typeface="Proxima Nova" panose="020B0604020202020204" charset="0"/>
-      <p:regular r:id="rId32"/>
-      <p:bold r:id="rId33"/>
-      <p:italic r:id="rId34"/>
-      <p:boldItalic r:id="rId35"/>
+      <p:regular r:id="rId33"/>
+      <p:bold r:id="rId34"/>
+      <p:italic r:id="rId35"/>
+      <p:boldItalic r:id="rId36"/>
     </p:embeddedFont>
   </p:embeddedFontLst>
   <p:defaultTextStyle>
@@ -2950,6 +2951,110 @@
   <p:cSld>
     <p:spTree>
       <p:nvGrpSpPr>
+        <p:cNvPr id="1" name="Shape 306"/>
+        <p:cNvGrpSpPr/>
+        <p:nvPr/>
+      </p:nvGrpSpPr>
+      <p:grpSpPr>
+        <a:xfrm>
+          <a:off x="0" y="0"/>
+          <a:ext cx="0" cy="0"/>
+          <a:chOff x="0" y="0"/>
+          <a:chExt cx="0" cy="0"/>
+        </a:xfrm>
+      </p:grpSpPr>
+      <p:sp>
+        <p:nvSpPr>
+          <p:cNvPr id="307" name="Google Shape;307;ge5a1b4e583_0_560:notes"/>
+          <p:cNvSpPr>
+            <a:spLocks noGrp="1" noRot="1" noChangeAspect="1"/>
+          </p:cNvSpPr>
+          <p:nvPr>
+            <p:ph type="sldImg" idx="2"/>
+          </p:nvPr>
+        </p:nvSpPr>
+        <p:spPr>
+          <a:xfrm>
+            <a:off x="381000" y="685800"/>
+            <a:ext cx="6096000" cy="3429000"/>
+          </a:xfrm>
+          <a:custGeom>
+            <a:avLst/>
+            <a:gdLst/>
+            <a:ahLst/>
+            <a:cxnLst/>
+            <a:rect l="l" t="t" r="r" b="b"/>
+            <a:pathLst>
+              <a:path w="120000" h="120000" extrusionOk="0">
+                <a:moveTo>
+                  <a:pt x="0" y="0"/>
+                </a:moveTo>
+                <a:lnTo>
+                  <a:pt x="120000" y="0"/>
+                </a:lnTo>
+                <a:lnTo>
+                  <a:pt x="120000" y="120000"/>
+                </a:lnTo>
+                <a:lnTo>
+                  <a:pt x="0" y="120000"/>
+                </a:lnTo>
+                <a:close/>
+              </a:path>
+            </a:pathLst>
+          </a:custGeom>
+        </p:spPr>
+      </p:sp>
+      <p:sp>
+        <p:nvSpPr>
+          <p:cNvPr id="308" name="Google Shape;308;ge5a1b4e583_0_560:notes"/>
+          <p:cNvSpPr txBox="1">
+            <a:spLocks noGrp="1"/>
+          </p:cNvSpPr>
+          <p:nvPr>
+            <p:ph type="body" idx="1"/>
+          </p:nvPr>
+        </p:nvSpPr>
+        <p:spPr>
+          <a:xfrm>
+            <a:off x="685800" y="4343400"/>
+            <a:ext cx="5486400" cy="4114800"/>
+          </a:xfrm>
+          <a:prstGeom prst="rect">
+            <a:avLst/>
+          </a:prstGeom>
+        </p:spPr>
+        <p:txBody>
+          <a:bodyPr spcFirstLastPara="1" wrap="square" lIns="91425" tIns="91425" rIns="91425" bIns="91425" anchor="t" anchorCtr="0">
+            <a:noAutofit/>
+          </a:bodyPr>
+          <a:lstStyle/>
+          <a:p>
+            <a:pPr marL="0" lvl="0" indent="0" algn="l" rtl="0">
+              <a:spcBef>
+                <a:spcPts val="0"/>
+              </a:spcBef>
+              <a:spcAft>
+                <a:spcPts val="0"/>
+              </a:spcAft>
+              <a:buNone/>
+            </a:pPr>
+            <a:endParaRPr/>
+          </a:p>
+        </p:txBody>
+      </p:sp>
+    </p:spTree>
+  </p:cSld>
+  <p:clrMapOvr>
+    <a:masterClrMapping/>
+  </p:clrMapOvr>
+</p:notes>
+</file>
+
+<file path=ppt/notesSlides/notesSlide24.xml><?xml version="1.0" encoding="utf-8"?>
+<p:notes xmlns:a="http://schemas.openxmlformats.org/drawingml/2006/main" xmlns:r="http://schemas.openxmlformats.org/officeDocument/2006/relationships" xmlns:p="http://schemas.openxmlformats.org/presentationml/2006/main" showMasterSp="0" showMasterPhAnim="0">
+  <p:cSld>
+    <p:spTree>
+      <p:nvGrpSpPr>
         <p:cNvPr id="1" name="Shape 275"/>
         <p:cNvGrpSpPr/>
         <p:nvPr/>
@@ -3054,7 +3159,7 @@
 </p:notes>
 </file>
 
-<file path=ppt/notesSlides/notesSlide24.xml><?xml version="1.0" encoding="utf-8"?>
+<file path=ppt/notesSlides/notesSlide25.xml><?xml version="1.0" encoding="utf-8"?>
 <p:notes xmlns:a="http://schemas.openxmlformats.org/drawingml/2006/main" xmlns:r="http://schemas.openxmlformats.org/officeDocument/2006/relationships" xmlns:p="http://schemas.openxmlformats.org/presentationml/2006/main" showMasterSp="0" showMasterPhAnim="0">
   <p:cSld>
     <p:spTree>
@@ -9760,8 +9865,8 @@
           </a:p>
         </p:txBody>
       </p:sp>
-      <mc:AlternateContent xmlns:mc="http://schemas.openxmlformats.org/markup-compatibility/2006">
-        <mc:Choice xmlns:a14="http://schemas.microsoft.com/office/drawing/2010/main" Requires="a14">
+      <mc:AlternateContent xmlns:mc="http://schemas.openxmlformats.org/markup-compatibility/2006" xmlns:a14="http://schemas.microsoft.com/office/drawing/2010/main">
+        <mc:Choice Requires="a14">
           <p:sp>
             <p:nvSpPr>
               <p:cNvPr id="6" name="Google Shape;182;p31">
@@ -10127,7 +10232,7 @@
             </p:txBody>
           </p:sp>
         </mc:Choice>
-        <mc:Fallback>
+        <mc:Fallback xmlns="">
           <p:sp>
             <p:nvSpPr>
               <p:cNvPr id="6" name="Google Shape;182;p31">
@@ -10338,8 +10443,8 @@
             </a:p>
           </p:txBody>
         </p:sp>
-        <mc:AlternateContent xmlns:mc="http://schemas.openxmlformats.org/markup-compatibility/2006">
-          <mc:Choice xmlns:a14="http://schemas.microsoft.com/office/drawing/2010/main" Requires="a14">
+        <mc:AlternateContent xmlns:mc="http://schemas.openxmlformats.org/markup-compatibility/2006" xmlns:a14="http://schemas.microsoft.com/office/drawing/2010/main">
+          <mc:Choice Requires="a14">
             <p:sp>
               <p:nvSpPr>
                 <p:cNvPr id="10" name="CuadroTexto 9">
@@ -10443,7 +10548,7 @@
               </p:txBody>
             </p:sp>
           </mc:Choice>
-          <mc:Fallback>
+          <mc:Fallback xmlns="">
             <p:sp>
               <p:nvSpPr>
                 <p:cNvPr id="10" name="CuadroTexto 9">
@@ -10739,8 +10844,8 @@
           </p:txBody>
         </p:sp>
       </p:grpSp>
-      <mc:AlternateContent xmlns:mc="http://schemas.openxmlformats.org/markup-compatibility/2006">
-        <mc:Choice xmlns:a14="http://schemas.microsoft.com/office/drawing/2010/main" Requires="a14">
+      <mc:AlternateContent xmlns:mc="http://schemas.openxmlformats.org/markup-compatibility/2006" xmlns:a14="http://schemas.microsoft.com/office/drawing/2010/main">
+        <mc:Choice Requires="a14">
           <p:sp>
             <p:nvSpPr>
               <p:cNvPr id="14" name="Rectángulo 13">
@@ -10948,61 +11053,7 @@
                           </a:solidFill>
                           <a:latin typeface="Cambria Math" panose="02040503050406030204" pitchFamily="18" charset="0"/>
                         </a:rPr>
-                        <m:t>=(</m:t>
-                      </m:r>
-                      <m:r>
-                        <a:rPr lang="es-MX" sz="1200" b="0" i="1" dirty="0" smtClean="0">
-                          <a:solidFill>
-                            <a:schemeClr val="accent3"/>
-                          </a:solidFill>
-                          <a:latin typeface="Cambria Math" panose="02040503050406030204" pitchFamily="18" charset="0"/>
-                        </a:rPr>
-                        <m:t>3.2</m:t>
-                      </m:r>
-                      <m:r>
-                        <a:rPr lang="es-MX" sz="1200" b="0" i="1" dirty="0" smtClean="0">
-                          <a:solidFill>
-                            <a:schemeClr val="accent3"/>
-                          </a:solidFill>
-                          <a:latin typeface="Cambria Math" panose="02040503050406030204" pitchFamily="18" charset="0"/>
-                        </a:rPr>
-                        <m:t>,</m:t>
-                      </m:r>
-                      <m:r>
-                        <a:rPr lang="es-MX" sz="1200" b="0" i="1" dirty="0" smtClean="0">
-                          <a:solidFill>
-                            <a:schemeClr val="accent3"/>
-                          </a:solidFill>
-                          <a:latin typeface="Cambria Math" panose="02040503050406030204" pitchFamily="18" charset="0"/>
-                        </a:rPr>
-                        <m:t>7</m:t>
-                      </m:r>
-                      <m:r>
-                        <a:rPr lang="es-MX" sz="1200" b="0" i="1" dirty="0" smtClean="0">
-                          <a:solidFill>
-                            <a:schemeClr val="accent3"/>
-                          </a:solidFill>
-                          <a:latin typeface="Cambria Math" panose="02040503050406030204" pitchFamily="18" charset="0"/>
-                        </a:rPr>
-                        <m:t>,</m:t>
-                      </m:r>
-                      <m:r>
-                        <a:rPr lang="es-MX" sz="1200" b="0" i="1" dirty="0" smtClean="0">
-                          <a:solidFill>
-                            <a:schemeClr val="accent3"/>
-                          </a:solidFill>
-                          <a:latin typeface="Cambria Math" panose="02040503050406030204" pitchFamily="18" charset="0"/>
-                        </a:rPr>
-                        <m:t>8</m:t>
-                      </m:r>
-                      <m:r>
-                        <a:rPr lang="es-MX" sz="1200" b="0" i="1" dirty="0" smtClean="0">
-                          <a:solidFill>
-                            <a:schemeClr val="accent3"/>
-                          </a:solidFill>
-                          <a:latin typeface="Cambria Math" panose="02040503050406030204" pitchFamily="18" charset="0"/>
-                        </a:rPr>
-                        <m:t>,…)</m:t>
+                        <m:t>=(3.2,7,8,…)</m:t>
                       </m:r>
                     </m:oMath>
                   </m:oMathPara>
@@ -11016,7 +11067,7 @@
             </p:txBody>
           </p:sp>
         </mc:Choice>
-        <mc:Fallback>
+        <mc:Fallback xmlns="">
           <p:sp>
             <p:nvSpPr>
               <p:cNvPr id="14" name="Rectángulo 13">
@@ -11066,8 +11117,8 @@
           </p:sp>
         </mc:Fallback>
       </mc:AlternateContent>
-      <mc:AlternateContent xmlns:mc="http://schemas.openxmlformats.org/markup-compatibility/2006">
-        <mc:Choice xmlns:a14="http://schemas.microsoft.com/office/drawing/2010/main" Requires="a14">
+      <mc:AlternateContent xmlns:mc="http://schemas.openxmlformats.org/markup-compatibility/2006" xmlns:a14="http://schemas.microsoft.com/office/drawing/2010/main">
+        <mc:Choice Requires="a14">
           <p:sp>
             <p:nvSpPr>
               <p:cNvPr id="16" name="Rectángulo 15">
@@ -11275,61 +11326,7 @@
                           </a:solidFill>
                           <a:latin typeface="Cambria Math" panose="02040503050406030204" pitchFamily="18" charset="0"/>
                         </a:rPr>
-                        <m:t>=(</m:t>
-                      </m:r>
-                      <m:r>
-                        <a:rPr lang="es-MX" sz="1200" b="0" i="1" dirty="0" smtClean="0">
-                          <a:solidFill>
-                            <a:schemeClr val="accent3"/>
-                          </a:solidFill>
-                          <a:latin typeface="Cambria Math" panose="02040503050406030204" pitchFamily="18" charset="0"/>
-                        </a:rPr>
-                        <m:t>2</m:t>
-                      </m:r>
-                      <m:r>
-                        <a:rPr lang="es-MX" sz="1200" b="0" i="1" dirty="0" smtClean="0">
-                          <a:solidFill>
-                            <a:schemeClr val="accent3"/>
-                          </a:solidFill>
-                          <a:latin typeface="Cambria Math" panose="02040503050406030204" pitchFamily="18" charset="0"/>
-                        </a:rPr>
-                        <m:t>,</m:t>
-                      </m:r>
-                      <m:r>
-                        <a:rPr lang="es-MX" sz="1200" b="0" i="1" dirty="0" smtClean="0">
-                          <a:solidFill>
-                            <a:schemeClr val="accent3"/>
-                          </a:solidFill>
-                          <a:latin typeface="Cambria Math" panose="02040503050406030204" pitchFamily="18" charset="0"/>
-                        </a:rPr>
-                        <m:t>9.4</m:t>
-                      </m:r>
-                      <m:r>
-                        <a:rPr lang="es-MX" sz="1200" b="0" i="1" dirty="0" smtClean="0">
-                          <a:solidFill>
-                            <a:schemeClr val="accent3"/>
-                          </a:solidFill>
-                          <a:latin typeface="Cambria Math" panose="02040503050406030204" pitchFamily="18" charset="0"/>
-                        </a:rPr>
-                        <m:t>,</m:t>
-                      </m:r>
-                      <m:r>
-                        <a:rPr lang="es-MX" sz="1200" b="0" i="1" dirty="0" smtClean="0">
-                          <a:solidFill>
-                            <a:schemeClr val="accent3"/>
-                          </a:solidFill>
-                          <a:latin typeface="Cambria Math" panose="02040503050406030204" pitchFamily="18" charset="0"/>
-                        </a:rPr>
-                        <m:t>6</m:t>
-                      </m:r>
-                      <m:r>
-                        <a:rPr lang="es-MX" sz="1200" b="0" i="1" dirty="0" smtClean="0">
-                          <a:solidFill>
-                            <a:schemeClr val="accent3"/>
-                          </a:solidFill>
-                          <a:latin typeface="Cambria Math" panose="02040503050406030204" pitchFamily="18" charset="0"/>
-                        </a:rPr>
-                        <m:t>,…)</m:t>
+                        <m:t>=(2,9.4,6,…)</m:t>
                       </m:r>
                     </m:oMath>
                   </m:oMathPara>
@@ -11343,7 +11340,7 @@
             </p:txBody>
           </p:sp>
         </mc:Choice>
-        <mc:Fallback>
+        <mc:Fallback xmlns="">
           <p:sp>
             <p:nvSpPr>
               <p:cNvPr id="16" name="Rectángulo 15">
@@ -11393,8 +11390,8 @@
           </p:sp>
         </mc:Fallback>
       </mc:AlternateContent>
-      <mc:AlternateContent xmlns:mc="http://schemas.openxmlformats.org/markup-compatibility/2006">
-        <mc:Choice xmlns:a14="http://schemas.microsoft.com/office/drawing/2010/main" Requires="a14">
+      <mc:AlternateContent xmlns:mc="http://schemas.openxmlformats.org/markup-compatibility/2006" xmlns:a14="http://schemas.microsoft.com/office/drawing/2010/main">
+        <mc:Choice Requires="a14">
           <p:sp>
             <p:nvSpPr>
               <p:cNvPr id="17" name="Rectángulo 16">
@@ -11602,61 +11599,7 @@
                           </a:solidFill>
                           <a:latin typeface="Cambria Math" panose="02040503050406030204" pitchFamily="18" charset="0"/>
                         </a:rPr>
-                        <m:t>=(</m:t>
-                      </m:r>
-                      <m:r>
-                        <a:rPr lang="es-MX" sz="1200" b="0" i="1" dirty="0" smtClean="0">
-                          <a:solidFill>
-                            <a:schemeClr val="accent3"/>
-                          </a:solidFill>
-                          <a:latin typeface="Cambria Math" panose="02040503050406030204" pitchFamily="18" charset="0"/>
-                        </a:rPr>
-                        <m:t>3.1</m:t>
-                      </m:r>
-                      <m:r>
-                        <a:rPr lang="es-MX" sz="1200" b="0" i="1" dirty="0" smtClean="0">
-                          <a:solidFill>
-                            <a:schemeClr val="accent3"/>
-                          </a:solidFill>
-                          <a:latin typeface="Cambria Math" panose="02040503050406030204" pitchFamily="18" charset="0"/>
-                        </a:rPr>
-                        <m:t>,</m:t>
-                      </m:r>
-                      <m:r>
-                        <a:rPr lang="es-MX" sz="1200" b="0" i="1" dirty="0" smtClean="0">
-                          <a:solidFill>
-                            <a:schemeClr val="accent3"/>
-                          </a:solidFill>
-                          <a:latin typeface="Cambria Math" panose="02040503050406030204" pitchFamily="18" charset="0"/>
-                        </a:rPr>
-                        <m:t>2</m:t>
-                      </m:r>
-                      <m:r>
-                        <a:rPr lang="es-MX" sz="1200" b="0" i="1" dirty="0" smtClean="0">
-                          <a:solidFill>
-                            <a:schemeClr val="accent3"/>
-                          </a:solidFill>
-                          <a:latin typeface="Cambria Math" panose="02040503050406030204" pitchFamily="18" charset="0"/>
-                        </a:rPr>
-                        <m:t>,</m:t>
-                      </m:r>
-                      <m:r>
-                        <a:rPr lang="es-MX" sz="1200" b="0" i="1" dirty="0" smtClean="0">
-                          <a:solidFill>
-                            <a:schemeClr val="accent3"/>
-                          </a:solidFill>
-                          <a:latin typeface="Cambria Math" panose="02040503050406030204" pitchFamily="18" charset="0"/>
-                        </a:rPr>
-                        <m:t>0</m:t>
-                      </m:r>
-                      <m:r>
-                        <a:rPr lang="es-MX" sz="1200" b="0" i="1" dirty="0" smtClean="0">
-                          <a:solidFill>
-                            <a:schemeClr val="accent3"/>
-                          </a:solidFill>
-                          <a:latin typeface="Cambria Math" panose="02040503050406030204" pitchFamily="18" charset="0"/>
-                        </a:rPr>
-                        <m:t>,…)</m:t>
+                        <m:t>=(3.1,2,0,…)</m:t>
                       </m:r>
                     </m:oMath>
                   </m:oMathPara>
@@ -11670,7 +11613,7 @@
             </p:txBody>
           </p:sp>
         </mc:Choice>
-        <mc:Fallback>
+        <mc:Fallback xmlns="">
           <p:sp>
             <p:nvSpPr>
               <p:cNvPr id="17" name="Rectángulo 16">
@@ -11750,8 +11693,8 @@
           <a:chExt cx="0" cy="0"/>
         </a:xfrm>
       </p:grpSpPr>
-      <mc:AlternateContent xmlns:mc="http://schemas.openxmlformats.org/markup-compatibility/2006">
-        <mc:Choice xmlns:a14="http://schemas.microsoft.com/office/drawing/2010/main" Requires="a14">
+      <mc:AlternateContent xmlns:mc="http://schemas.openxmlformats.org/markup-compatibility/2006" xmlns:a14="http://schemas.microsoft.com/office/drawing/2010/main">
+        <mc:Choice Requires="a14">
           <p:sp>
             <p:nvSpPr>
               <p:cNvPr id="26" name="CuadroTexto 25">
@@ -11820,7 +11763,7 @@
             </p:txBody>
           </p:sp>
         </mc:Choice>
-        <mc:Fallback>
+        <mc:Fallback xmlns="">
           <p:sp>
             <p:nvSpPr>
               <p:cNvPr id="26" name="CuadroTexto 25">
@@ -11907,8 +11850,8 @@
           </a:p>
         </p:txBody>
       </p:sp>
-      <mc:AlternateContent xmlns:mc="http://schemas.openxmlformats.org/markup-compatibility/2006">
-        <mc:Choice xmlns:a14="http://schemas.microsoft.com/office/drawing/2010/main" Requires="a14">
+      <mc:AlternateContent xmlns:mc="http://schemas.openxmlformats.org/markup-compatibility/2006" xmlns:a14="http://schemas.microsoft.com/office/drawing/2010/main">
+        <mc:Choice Requires="a14">
           <p:sp>
             <p:nvSpPr>
               <p:cNvPr id="6" name="Google Shape;182;p31">
@@ -12333,7 +12276,7 @@
             </p:txBody>
           </p:sp>
         </mc:Choice>
-        <mc:Fallback>
+        <mc:Fallback xmlns="">
           <p:sp>
             <p:nvSpPr>
               <p:cNvPr id="6" name="Google Shape;182;p31">
@@ -12664,8 +12607,8 @@
           </a:p>
         </p:txBody>
       </p:sp>
-      <mc:AlternateContent xmlns:mc="http://schemas.openxmlformats.org/markup-compatibility/2006">
-        <mc:Choice xmlns:a14="http://schemas.microsoft.com/office/drawing/2010/main" Requires="a14">
+      <mc:AlternateContent xmlns:mc="http://schemas.openxmlformats.org/markup-compatibility/2006" xmlns:a14="http://schemas.microsoft.com/office/drawing/2010/main">
+        <mc:Choice Requires="a14">
           <p:sp>
             <p:nvSpPr>
               <p:cNvPr id="20" name="CuadroTexto 19">
@@ -12721,7 +12664,7 @@
             </p:txBody>
           </p:sp>
         </mc:Choice>
-        <mc:Fallback>
+        <mc:Fallback xmlns="">
           <p:sp>
             <p:nvSpPr>
               <p:cNvPr id="20" name="CuadroTexto 19">
@@ -12766,8 +12709,8 @@
           </p:sp>
         </mc:Fallback>
       </mc:AlternateContent>
-      <mc:AlternateContent xmlns:mc="http://schemas.openxmlformats.org/markup-compatibility/2006">
-        <mc:Choice xmlns:a14="http://schemas.microsoft.com/office/drawing/2010/main" Requires="a14">
+      <mc:AlternateContent xmlns:mc="http://schemas.openxmlformats.org/markup-compatibility/2006" xmlns:a14="http://schemas.microsoft.com/office/drawing/2010/main">
+        <mc:Choice Requires="a14">
           <p:sp>
             <p:nvSpPr>
               <p:cNvPr id="21" name="CuadroTexto 20">
@@ -12823,7 +12766,7 @@
             </p:txBody>
           </p:sp>
         </mc:Choice>
-        <mc:Fallback>
+        <mc:Fallback xmlns="">
           <p:sp>
             <p:nvSpPr>
               <p:cNvPr id="21" name="CuadroTexto 20">
@@ -12868,8 +12811,8 @@
           </p:sp>
         </mc:Fallback>
       </mc:AlternateContent>
-      <mc:AlternateContent xmlns:mc="http://schemas.openxmlformats.org/markup-compatibility/2006">
-        <mc:Choice xmlns:a14="http://schemas.microsoft.com/office/drawing/2010/main" Requires="a14">
+      <mc:AlternateContent xmlns:mc="http://schemas.openxmlformats.org/markup-compatibility/2006" xmlns:a14="http://schemas.microsoft.com/office/drawing/2010/main">
+        <mc:Choice Requires="a14">
           <p:sp>
             <p:nvSpPr>
               <p:cNvPr id="22" name="CuadroTexto 21">
@@ -12946,7 +12889,7 @@
             </p:txBody>
           </p:sp>
         </mc:Choice>
-        <mc:Fallback>
+        <mc:Fallback xmlns="">
           <p:sp>
             <p:nvSpPr>
               <p:cNvPr id="22" name="CuadroTexto 21">
@@ -12991,8 +12934,8 @@
           </p:sp>
         </mc:Fallback>
       </mc:AlternateContent>
-      <mc:AlternateContent xmlns:mc="http://schemas.openxmlformats.org/markup-compatibility/2006">
-        <mc:Choice xmlns:a14="http://schemas.microsoft.com/office/drawing/2010/main" Requires="a14">
+      <mc:AlternateContent xmlns:mc="http://schemas.openxmlformats.org/markup-compatibility/2006" xmlns:a14="http://schemas.microsoft.com/office/drawing/2010/main">
+        <mc:Choice Requires="a14">
           <p:sp>
             <p:nvSpPr>
               <p:cNvPr id="23" name="CuadroTexto 22">
@@ -13069,7 +13012,7 @@
             </p:txBody>
           </p:sp>
         </mc:Choice>
-        <mc:Fallback>
+        <mc:Fallback xmlns="">
           <p:sp>
             <p:nvSpPr>
               <p:cNvPr id="23" name="CuadroTexto 22">
@@ -13150,8 +13093,8 @@
           </a:fontRef>
         </p:style>
       </p:cxnSp>
-      <mc:AlternateContent xmlns:mc="http://schemas.openxmlformats.org/markup-compatibility/2006">
-        <mc:Choice xmlns:a14="http://schemas.microsoft.com/office/drawing/2010/main" Requires="a14">
+      <mc:AlternateContent xmlns:mc="http://schemas.openxmlformats.org/markup-compatibility/2006" xmlns:a14="http://schemas.microsoft.com/office/drawing/2010/main">
+        <mc:Choice Requires="a14">
           <p:sp>
             <p:nvSpPr>
               <p:cNvPr id="27" name="CuadroTexto 26">
@@ -13220,7 +13163,7 @@
             </p:txBody>
           </p:sp>
         </mc:Choice>
-        <mc:Fallback>
+        <mc:Fallback xmlns="">
           <p:sp>
             <p:nvSpPr>
               <p:cNvPr id="27" name="CuadroTexto 26">
@@ -13301,8 +13244,8 @@
           </a:fontRef>
         </p:style>
       </p:cxnSp>
-      <mc:AlternateContent xmlns:mc="http://schemas.openxmlformats.org/markup-compatibility/2006">
-        <mc:Choice xmlns:a14="http://schemas.microsoft.com/office/drawing/2010/main" Requires="a14">
+      <mc:AlternateContent xmlns:mc="http://schemas.openxmlformats.org/markup-compatibility/2006" xmlns:a14="http://schemas.microsoft.com/office/drawing/2010/main">
+        <mc:Choice Requires="a14">
           <p:sp>
             <p:nvSpPr>
               <p:cNvPr id="29" name="CuadroTexto 28">
@@ -13433,7 +13376,7 @@
             </p:txBody>
           </p:sp>
         </mc:Choice>
-        <mc:Fallback>
+        <mc:Fallback xmlns="">
           <p:sp>
             <p:nvSpPr>
               <p:cNvPr id="29" name="CuadroTexto 28">
@@ -13478,8 +13421,8 @@
           </p:sp>
         </mc:Fallback>
       </mc:AlternateContent>
-      <mc:AlternateContent xmlns:mc="http://schemas.openxmlformats.org/markup-compatibility/2006">
-        <mc:Choice xmlns:a14="http://schemas.microsoft.com/office/drawing/2010/main" Requires="a14">
+      <mc:AlternateContent xmlns:mc="http://schemas.openxmlformats.org/markup-compatibility/2006" xmlns:a14="http://schemas.microsoft.com/office/drawing/2010/main">
+        <mc:Choice Requires="a14">
           <p:sp>
             <p:nvSpPr>
               <p:cNvPr id="30" name="CuadroTexto 29">
@@ -13610,7 +13553,7 @@
             </p:txBody>
           </p:sp>
         </mc:Choice>
-        <mc:Fallback>
+        <mc:Fallback xmlns="">
           <p:sp>
             <p:nvSpPr>
               <p:cNvPr id="30" name="CuadroTexto 29">
@@ -13655,8 +13598,8 @@
           </p:sp>
         </mc:Fallback>
       </mc:AlternateContent>
-      <mc:AlternateContent xmlns:mc="http://schemas.openxmlformats.org/markup-compatibility/2006">
-        <mc:Choice xmlns:a14="http://schemas.microsoft.com/office/drawing/2010/main" Requires="a14">
+      <mc:AlternateContent xmlns:mc="http://schemas.openxmlformats.org/markup-compatibility/2006" xmlns:a14="http://schemas.microsoft.com/office/drawing/2010/main">
+        <mc:Choice Requires="a14">
           <p:sp>
             <p:nvSpPr>
               <p:cNvPr id="31" name="CuadroTexto 30">
@@ -13787,7 +13730,7 @@
             </p:txBody>
           </p:sp>
         </mc:Choice>
-        <mc:Fallback>
+        <mc:Fallback xmlns="">
           <p:sp>
             <p:nvSpPr>
               <p:cNvPr id="31" name="CuadroTexto 30">
@@ -14697,8 +14640,8 @@
           </a:p>
         </p:txBody>
       </p:sp>
-      <mc:AlternateContent xmlns:mc="http://schemas.openxmlformats.org/markup-compatibility/2006">
-        <mc:Choice xmlns:a14="http://schemas.microsoft.com/office/drawing/2010/main" Requires="a14">
+      <mc:AlternateContent xmlns:mc="http://schemas.openxmlformats.org/markup-compatibility/2006" xmlns:a14="http://schemas.microsoft.com/office/drawing/2010/main">
+        <mc:Choice Requires="a14">
           <p:sp>
             <p:nvSpPr>
               <p:cNvPr id="6" name="Google Shape;182;p31">
@@ -14910,7 +14853,7 @@
             </p:txBody>
           </p:sp>
         </mc:Choice>
-        <mc:Fallback>
+        <mc:Fallback xmlns="">
           <p:sp>
             <p:nvSpPr>
               <p:cNvPr id="6" name="Google Shape;182;p31">
@@ -15030,8 +14973,8 @@
           <a:chExt cx="0" cy="0"/>
         </a:xfrm>
       </p:grpSpPr>
-      <mc:AlternateContent xmlns:mc="http://schemas.openxmlformats.org/markup-compatibility/2006">
-        <mc:Choice xmlns:a14="http://schemas.microsoft.com/office/drawing/2010/main" Requires="a14">
+      <mc:AlternateContent xmlns:mc="http://schemas.openxmlformats.org/markup-compatibility/2006" xmlns:a14="http://schemas.microsoft.com/office/drawing/2010/main">
+        <mc:Choice Requires="a14">
           <p:sp>
             <p:nvSpPr>
               <p:cNvPr id="3" name="Google Shape;228;p39">
@@ -15568,7 +15511,7 @@
             </p:txBody>
           </p:sp>
         </mc:Choice>
-        <mc:Fallback>
+        <mc:Fallback xmlns="">
           <p:sp>
             <p:nvSpPr>
               <p:cNvPr id="3" name="Google Shape;228;p39">
@@ -15808,8 +15751,8 @@
           </a:p>
         </p:txBody>
       </p:sp>
-      <mc:AlternateContent xmlns:mc="http://schemas.openxmlformats.org/markup-compatibility/2006">
-        <mc:Choice xmlns:a14="http://schemas.microsoft.com/office/drawing/2010/main" Requires="a14">
+      <mc:AlternateContent xmlns:mc="http://schemas.openxmlformats.org/markup-compatibility/2006" xmlns:a14="http://schemas.microsoft.com/office/drawing/2010/main">
+        <mc:Choice Requires="a14">
           <p:sp>
             <p:nvSpPr>
               <p:cNvPr id="6" name="Google Shape;182;p31">
@@ -16107,7 +16050,7 @@
             </p:txBody>
           </p:sp>
         </mc:Choice>
-        <mc:Fallback>
+        <mc:Fallback xmlns="">
           <p:sp>
             <p:nvSpPr>
               <p:cNvPr id="6" name="Google Shape;182;p31">
@@ -19078,8 +19021,8 @@
           <a:chExt cx="0" cy="0"/>
         </a:xfrm>
       </p:grpSpPr>
-      <mc:AlternateContent xmlns:mc="http://schemas.openxmlformats.org/markup-compatibility/2006">
-        <mc:Choice xmlns:a14="http://schemas.microsoft.com/office/drawing/2010/main" Requires="a14">
+      <mc:AlternateContent xmlns:mc="http://schemas.openxmlformats.org/markup-compatibility/2006" xmlns:a14="http://schemas.microsoft.com/office/drawing/2010/main">
+        <mc:Choice Requires="a14">
           <p:sp>
             <p:nvSpPr>
               <p:cNvPr id="3" name="Google Shape;228;p39">
@@ -19627,7 +19570,7 @@
             </p:txBody>
           </p:sp>
         </mc:Choice>
-        <mc:Fallback>
+        <mc:Fallback xmlns="">
           <p:sp>
             <p:nvSpPr>
               <p:cNvPr id="3" name="Google Shape;228;p39">
@@ -19876,8 +19819,8 @@
           </a:p>
         </p:txBody>
       </p:sp>
-      <mc:AlternateContent xmlns:mc="http://schemas.openxmlformats.org/markup-compatibility/2006">
-        <mc:Choice xmlns:a14="http://schemas.microsoft.com/office/drawing/2010/main" Requires="a14">
+      <mc:AlternateContent xmlns:mc="http://schemas.openxmlformats.org/markup-compatibility/2006" xmlns:a14="http://schemas.microsoft.com/office/drawing/2010/main">
+        <mc:Choice Requires="a14">
           <p:graphicFrame>
             <p:nvGraphicFramePr>
               <p:cNvPr id="5" name="Tabla 6">
@@ -21489,7 +21432,7 @@
             </a:graphic>
           </p:graphicFrame>
         </mc:Choice>
-        <mc:Fallback>
+        <mc:Fallback xmlns="">
           <p:graphicFrame>
             <p:nvGraphicFramePr>
               <p:cNvPr id="5" name="Tabla 6">
@@ -23067,8 +23010,8 @@
           </p:graphicFrame>
         </mc:Fallback>
       </mc:AlternateContent>
-      <mc:AlternateContent xmlns:mc="http://schemas.openxmlformats.org/markup-compatibility/2006">
-        <mc:Choice xmlns:a14="http://schemas.microsoft.com/office/drawing/2010/main" Requires="a14">
+      <mc:AlternateContent xmlns:mc="http://schemas.openxmlformats.org/markup-compatibility/2006" xmlns:a14="http://schemas.microsoft.com/office/drawing/2010/main">
+        <mc:Choice Requires="a14">
           <p:sp>
             <p:nvSpPr>
               <p:cNvPr id="9" name="CuadroTexto 8">
@@ -23207,7 +23150,7 @@
             </p:txBody>
           </p:sp>
         </mc:Choice>
-        <mc:Fallback>
+        <mc:Fallback xmlns="">
           <p:sp>
             <p:nvSpPr>
               <p:cNvPr id="9" name="CuadroTexto 8">
@@ -23270,6 +23213,281 @@
   <p:cSld>
     <p:spTree>
       <p:nvGrpSpPr>
+        <p:cNvPr id="1" name="Shape 309"/>
+        <p:cNvGrpSpPr/>
+        <p:nvPr/>
+      </p:nvGrpSpPr>
+      <p:grpSpPr>
+        <a:xfrm>
+          <a:off x="0" y="0"/>
+          <a:ext cx="0" cy="0"/>
+          <a:chOff x="0" y="0"/>
+          <a:chExt cx="0" cy="0"/>
+        </a:xfrm>
+      </p:grpSpPr>
+      <p:sp>
+        <p:nvSpPr>
+          <p:cNvPr id="310" name="Google Shape;310;p53"/>
+          <p:cNvSpPr txBox="1">
+            <a:spLocks noGrp="1"/>
+          </p:cNvSpPr>
+          <p:nvPr>
+            <p:ph type="title"/>
+          </p:nvPr>
+        </p:nvSpPr>
+        <p:spPr>
+          <a:xfrm>
+            <a:off x="311700" y="156100"/>
+            <a:ext cx="8520600" cy="572700"/>
+          </a:xfrm>
+          <a:prstGeom prst="rect">
+            <a:avLst/>
+          </a:prstGeom>
+        </p:spPr>
+        <p:txBody>
+          <a:bodyPr spcFirstLastPara="1" wrap="square" lIns="91425" tIns="91425" rIns="91425" bIns="91425" anchor="t" anchorCtr="0">
+            <a:normAutofit fontScale="90000"/>
+          </a:bodyPr>
+          <a:lstStyle/>
+          <a:p>
+            <a:pPr marL="0" lvl="0" indent="0" algn="l" rtl="0">
+              <a:spcBef>
+                <a:spcPts val="0"/>
+              </a:spcBef>
+              <a:spcAft>
+                <a:spcPts val="0"/>
+              </a:spcAft>
+              <a:buNone/>
+            </a:pPr>
+            <a:r>
+              <a:rPr lang="en-GB" dirty="0"/>
+              <a:t>La </a:t>
+            </a:r>
+            <a:r>
+              <a:rPr lang="en-GB" dirty="0" err="1"/>
+              <a:t>clase</a:t>
+            </a:r>
+            <a:r>
+              <a:rPr lang="en-GB" dirty="0"/>
+              <a:t> que </a:t>
+            </a:r>
+            <a:r>
+              <a:rPr lang="en-GB" dirty="0" err="1"/>
+              <a:t>viene</a:t>
+            </a:r>
+            <a:endParaRPr dirty="0"/>
+          </a:p>
+        </p:txBody>
+      </p:sp>
+      <p:sp>
+        <p:nvSpPr>
+          <p:cNvPr id="311" name="Google Shape;311;p53"/>
+          <p:cNvSpPr txBox="1">
+            <a:spLocks noGrp="1"/>
+          </p:cNvSpPr>
+          <p:nvPr>
+            <p:ph type="body" idx="1"/>
+          </p:nvPr>
+        </p:nvSpPr>
+        <p:spPr>
+          <a:xfrm>
+            <a:off x="311700" y="728800"/>
+            <a:ext cx="8520600" cy="3416400"/>
+          </a:xfrm>
+          <a:prstGeom prst="rect">
+            <a:avLst/>
+          </a:prstGeom>
+        </p:spPr>
+        <p:txBody>
+          <a:bodyPr spcFirstLastPara="1" wrap="square" lIns="91425" tIns="91425" rIns="91425" bIns="91425" anchor="t" anchorCtr="0">
+            <a:normAutofit/>
+          </a:bodyPr>
+          <a:lstStyle/>
+          <a:p>
+            <a:pPr lvl="0" algn="l" rtl="0">
+              <a:lnSpc>
+                <a:spcPct val="150000"/>
+              </a:lnSpc>
+              <a:spcBef>
+                <a:spcPts val="0"/>
+              </a:spcBef>
+              <a:spcAft>
+                <a:spcPts val="0"/>
+              </a:spcAft>
+              <a:buSzPts val="1800"/>
+              <a:buFont typeface="Wingdings" panose="05000000000000000000" pitchFamily="2" charset="2"/>
+              <a:buChar char="§"/>
+            </a:pPr>
+            <a:r>
+              <a:rPr lang="en-GB" dirty="0" err="1"/>
+              <a:t>Ya</a:t>
+            </a:r>
+            <a:r>
+              <a:rPr lang="en-GB" dirty="0"/>
+              <a:t> </a:t>
+            </a:r>
+            <a:r>
+              <a:rPr lang="en-GB" dirty="0" err="1"/>
+              <a:t>vimos</a:t>
+            </a:r>
+            <a:r>
+              <a:rPr lang="en-GB" dirty="0"/>
+              <a:t> </a:t>
+            </a:r>
+            <a:r>
+              <a:rPr lang="en-GB" dirty="0" err="1"/>
+              <a:t>todos</a:t>
+            </a:r>
+            <a:r>
+              <a:rPr lang="en-GB" dirty="0"/>
+              <a:t> los </a:t>
+            </a:r>
+            <a:r>
+              <a:rPr lang="en-GB" dirty="0" err="1"/>
+              <a:t>modelos</a:t>
+            </a:r>
+            <a:r>
+              <a:rPr lang="en-GB" dirty="0"/>
+              <a:t>! ¿Podemos usar los </a:t>
+            </a:r>
+            <a:r>
+              <a:rPr lang="en-GB" dirty="0" err="1"/>
+              <a:t>datos</a:t>
+            </a:r>
+            <a:r>
+              <a:rPr lang="en-GB" dirty="0"/>
+              <a:t> para </a:t>
+            </a:r>
+            <a:r>
+              <a:rPr lang="en-GB" dirty="0" err="1"/>
+              <a:t>elegir</a:t>
+            </a:r>
+            <a:r>
+              <a:rPr lang="en-GB" dirty="0"/>
+              <a:t> </a:t>
+            </a:r>
+            <a:r>
+              <a:rPr lang="en-GB" dirty="0" err="1"/>
+              <a:t>el</a:t>
+            </a:r>
+            <a:r>
+              <a:rPr lang="en-GB" dirty="0"/>
+              <a:t> </a:t>
+            </a:r>
+            <a:r>
+              <a:rPr lang="en-GB" dirty="0" err="1"/>
+              <a:t>mejor</a:t>
+            </a:r>
+            <a:r>
+              <a:rPr lang="en-GB" dirty="0"/>
+              <a:t>?</a:t>
+            </a:r>
+          </a:p>
+          <a:p>
+            <a:pPr lvl="0" algn="l" rtl="0">
+              <a:lnSpc>
+                <a:spcPct val="150000"/>
+              </a:lnSpc>
+              <a:spcBef>
+                <a:spcPts val="0"/>
+              </a:spcBef>
+              <a:spcAft>
+                <a:spcPts val="0"/>
+              </a:spcAft>
+              <a:buSzPts val="1800"/>
+              <a:buFont typeface="Wingdings" panose="05000000000000000000" pitchFamily="2" charset="2"/>
+              <a:buChar char="§"/>
+            </a:pPr>
+            <a:r>
+              <a:rPr lang="en-GB" b="1" dirty="0" err="1"/>
+              <a:t>Teórico</a:t>
+            </a:r>
+            <a:r>
+              <a:rPr lang="en-GB" dirty="0"/>
+              <a:t>: </a:t>
+            </a:r>
+            <a:r>
+              <a:rPr lang="es-MX" dirty="0"/>
+              <a:t>Métricas de rendimiento y </a:t>
+            </a:r>
+            <a:r>
+              <a:rPr lang="es-MX" dirty="0" err="1"/>
+              <a:t>CrossValidation</a:t>
+            </a:r>
+            <a:endParaRPr lang="es-MX" dirty="0"/>
+          </a:p>
+          <a:p>
+            <a:pPr lvl="0" algn="l" rtl="0">
+              <a:lnSpc>
+                <a:spcPct val="150000"/>
+              </a:lnSpc>
+              <a:spcBef>
+                <a:spcPts val="0"/>
+              </a:spcBef>
+              <a:spcAft>
+                <a:spcPts val="0"/>
+              </a:spcAft>
+              <a:buSzPts val="1800"/>
+              <a:buFont typeface="Wingdings" panose="05000000000000000000" pitchFamily="2" charset="2"/>
+              <a:buChar char="§"/>
+            </a:pPr>
+            <a:r>
+              <a:rPr lang="en-GB" b="1" dirty="0" err="1"/>
+              <a:t>Práctico</a:t>
+            </a:r>
+            <a:r>
+              <a:rPr lang="en-GB" dirty="0"/>
+              <a:t>: resolver </a:t>
+            </a:r>
+            <a:r>
+              <a:rPr lang="en-GB" dirty="0" err="1"/>
+              <a:t>práctica</a:t>
+            </a:r>
+            <a:r>
+              <a:rPr lang="en-GB" dirty="0"/>
+              <a:t> </a:t>
+            </a:r>
+            <a:r>
+              <a:rPr lang="en-GB" dirty="0" err="1"/>
+              <a:t>independiente</a:t>
+            </a:r>
+            <a:r>
+              <a:rPr lang="en-GB" dirty="0"/>
+              <a:t>. Traer </a:t>
+            </a:r>
+            <a:r>
+              <a:rPr lang="en-GB" dirty="0" err="1"/>
+              <a:t>dudas</a:t>
+            </a:r>
+            <a:r>
+              <a:rPr lang="en-GB" dirty="0"/>
+              <a:t> y/o </a:t>
+            </a:r>
+            <a:r>
+              <a:rPr lang="en-GB" dirty="0" err="1"/>
+              <a:t>comentarios</a:t>
+            </a:r>
+            <a:r>
+              <a:rPr lang="en-GB" dirty="0"/>
+              <a:t>.</a:t>
+            </a:r>
+            <a:endParaRPr dirty="0"/>
+          </a:p>
+        </p:txBody>
+      </p:sp>
+    </p:spTree>
+  </p:cSld>
+  <p:clrMapOvr>
+    <a:masterClrMapping/>
+  </p:clrMapOvr>
+</p:sld>
+</file>
+
+<file path=ppt/slides/slide24.xml><?xml version="1.0" encoding="utf-8"?>
+<p:sld xmlns:a="http://schemas.openxmlformats.org/drawingml/2006/main" xmlns:r="http://schemas.openxmlformats.org/officeDocument/2006/relationships" xmlns:p="http://schemas.openxmlformats.org/presentationml/2006/main">
+  <p:cSld>
+    <p:spTree>
+      <p:nvGrpSpPr>
         <p:cNvPr id="1" name="Shape 278"/>
         <p:cNvGrpSpPr/>
         <p:nvPr/>
@@ -23333,7 +23551,7 @@
 </p:sld>
 </file>
 
-<file path=ppt/slides/slide24.xml><?xml version="1.0" encoding="utf-8"?>
+<file path=ppt/slides/slide25.xml><?xml version="1.0" encoding="utf-8"?>
 <p:sld xmlns:a="http://schemas.openxmlformats.org/drawingml/2006/main" xmlns:r="http://schemas.openxmlformats.org/officeDocument/2006/relationships" xmlns:p="http://schemas.openxmlformats.org/presentationml/2006/main">
   <p:cSld>
     <p:spTree>
@@ -23350,8 +23568,8 @@
           <a:chExt cx="0" cy="0"/>
         </a:xfrm>
       </p:grpSpPr>
-      <mc:AlternateContent xmlns:mc="http://schemas.openxmlformats.org/markup-compatibility/2006">
-        <mc:Choice xmlns:a14="http://schemas.microsoft.com/office/drawing/2010/main" Requires="a14">
+      <mc:AlternateContent xmlns:mc="http://schemas.openxmlformats.org/markup-compatibility/2006" xmlns:a14="http://schemas.microsoft.com/office/drawing/2010/main">
+        <mc:Choice Requires="a14">
           <p:sp>
             <p:nvSpPr>
               <p:cNvPr id="153" name="Google Shape;153;p27"/>
@@ -23621,7 +23839,7 @@
             </p:txBody>
           </p:sp>
         </mc:Choice>
-        <mc:Fallback>
+        <mc:Fallback xmlns="">
           <p:sp>
             <p:nvSpPr>
               <p:cNvPr id="153" name="Google Shape;153;p27"/>
@@ -23980,8 +24198,8 @@
           </a:prstGeom>
         </p:spPr>
       </p:pic>
-      <mc:AlternateContent xmlns:mc="http://schemas.openxmlformats.org/markup-compatibility/2006">
-        <mc:Choice xmlns:a14="http://schemas.microsoft.com/office/drawing/2010/main" Requires="a14">
+      <mc:AlternateContent xmlns:mc="http://schemas.openxmlformats.org/markup-compatibility/2006" xmlns:a14="http://schemas.microsoft.com/office/drawing/2010/main">
+        <mc:Choice Requires="a14">
           <p:sp>
             <p:nvSpPr>
               <p:cNvPr id="5" name="CuadroTexto 4">
@@ -24884,7 +25102,7 @@
             </p:txBody>
           </p:sp>
         </mc:Choice>
-        <mc:Fallback>
+        <mc:Fallback xmlns="">
           <p:sp>
             <p:nvSpPr>
               <p:cNvPr id="5" name="CuadroTexto 4">
@@ -27129,8 +27347,8 @@
           </a:p>
         </p:txBody>
       </p:sp>
-      <mc:AlternateContent xmlns:mc="http://schemas.openxmlformats.org/markup-compatibility/2006">
-        <mc:Choice xmlns:a14="http://schemas.microsoft.com/office/drawing/2010/main" Requires="a14">
+      <mc:AlternateContent xmlns:mc="http://schemas.openxmlformats.org/markup-compatibility/2006" xmlns:a14="http://schemas.microsoft.com/office/drawing/2010/main">
+        <mc:Choice Requires="a14">
           <p:sp>
             <p:nvSpPr>
               <p:cNvPr id="6" name="Google Shape;182;p31">
@@ -27477,7 +27695,7 @@
             </p:txBody>
           </p:sp>
         </mc:Choice>
-        <mc:Fallback>
+        <mc:Fallback xmlns="">
           <p:sp>
             <p:nvSpPr>
               <p:cNvPr id="6" name="Google Shape;182;p31">
@@ -27596,8 +27814,8 @@
           </a:p>
         </p:txBody>
       </p:sp>
-      <mc:AlternateContent xmlns:mc="http://schemas.openxmlformats.org/markup-compatibility/2006">
-        <mc:Choice xmlns:a14="http://schemas.microsoft.com/office/drawing/2010/main" Requires="a14">
+      <mc:AlternateContent xmlns:mc="http://schemas.openxmlformats.org/markup-compatibility/2006" xmlns:a14="http://schemas.microsoft.com/office/drawing/2010/main">
+        <mc:Choice Requires="a14">
           <p:sp>
             <p:nvSpPr>
               <p:cNvPr id="6" name="Google Shape;182;p31">
@@ -27821,7 +28039,7 @@
             </p:txBody>
           </p:sp>
         </mc:Choice>
-        <mc:Fallback>
+        <mc:Fallback xmlns="">
           <p:sp>
             <p:nvSpPr>
               <p:cNvPr id="6" name="Google Shape;182;p31">
@@ -27988,8 +28206,8 @@
           </a:p>
         </p:txBody>
       </p:sp>
-      <mc:AlternateContent xmlns:mc="http://schemas.openxmlformats.org/markup-compatibility/2006">
-        <mc:Choice xmlns:a14="http://schemas.microsoft.com/office/drawing/2010/main" Requires="a14">
+      <mc:AlternateContent xmlns:mc="http://schemas.openxmlformats.org/markup-compatibility/2006" xmlns:a14="http://schemas.microsoft.com/office/drawing/2010/main">
+        <mc:Choice Requires="a14">
           <p:sp>
             <p:nvSpPr>
               <p:cNvPr id="3" name="Google Shape;228;p39">
@@ -28576,7 +28794,7 @@
             </p:txBody>
           </p:sp>
         </mc:Choice>
-        <mc:Fallback>
+        <mc:Fallback xmlns="">
           <p:sp>
             <p:nvSpPr>
               <p:cNvPr id="3" name="Google Shape;228;p39">

--- a/clase5/teorica_5.pptx
+++ b/clase5/teorica_5.pptx
@@ -9563,7 +9563,7 @@
           </a:bodyPr>
           <a:lstStyle/>
           <a:p>
-            <a:pPr marL="0" lvl="0" indent="0" algn="ctr" rtl="0">
+            <a:pPr marL="0" lvl="0" indent="0" rtl="0">
               <a:spcBef>
                 <a:spcPts val="0"/>
               </a:spcBef>
@@ -9616,33 +9616,6 @@
           </a:p>
         </p:txBody>
       </p:sp>
-      <p:pic>
-        <p:nvPicPr>
-          <p:cNvPr id="61" name="Google Shape;61;p13"/>
-          <p:cNvPicPr preferRelativeResize="0"/>
-          <p:nvPr/>
-        </p:nvPicPr>
-        <p:blipFill rotWithShape="1">
-          <a:blip r:embed="rId3">
-            <a:alphaModFix/>
-          </a:blip>
-          <a:srcRect l="15544" t="36940" r="15948" b="37818"/>
-          <a:stretch/>
-        </p:blipFill>
-        <p:spPr>
-          <a:xfrm>
-            <a:off x="7164052" y="284375"/>
-            <a:ext cx="1684874" cy="465550"/>
-          </a:xfrm>
-          <a:prstGeom prst="rect">
-            <a:avLst/>
-          </a:prstGeom>
-          <a:noFill/>
-          <a:ln>
-            <a:noFill/>
-          </a:ln>
-        </p:spPr>
-      </p:pic>
     </p:spTree>
   </p:cSld>
   <p:clrMapOvr>
@@ -19836,7 +19809,7 @@
               <p:nvPr>
                 <p:extLst>
                   <p:ext uri="{D42A27DB-BD31-4B8C-83A1-F6EECF244321}">
-                    <p14:modId xmlns:p14="http://schemas.microsoft.com/office/powerpoint/2010/main" val="4080795816"/>
+                    <p14:modId xmlns:p14="http://schemas.microsoft.com/office/powerpoint/2010/main" val="3512715828"/>
                   </p:ext>
                 </p:extLst>
               </p:nvPr>
@@ -19859,14 +19832,14 @@
                         </a:ext>
                       </a:extLst>
                     </a:gridCol>
-                    <a:gridCol w="911646">
+                    <a:gridCol w="1032336">
                       <a:extLst>
                         <a:ext uri="{9D8B030D-6E8A-4147-A177-3AD203B41FA5}">
                           <a16:colId xmlns:a16="http://schemas.microsoft.com/office/drawing/2014/main" val="470915277"/>
                         </a:ext>
                       </a:extLst>
                     </a:gridCol>
-                    <a:gridCol w="1424763">
+                    <a:gridCol w="1304073">
                       <a:extLst>
                         <a:ext uri="{9D8B030D-6E8A-4147-A177-3AD203B41FA5}">
                           <a16:colId xmlns:a16="http://schemas.microsoft.com/office/drawing/2014/main" val="3296824070"/>
@@ -19944,46 +19917,44 @@
                         <a:p>
                           <a:pPr algn="ctr"/>
                           <a14:m>
-                            <m:oMathPara xmlns:m="http://schemas.openxmlformats.org/officeDocument/2006/math">
-                              <m:oMathParaPr>
-                                <m:jc m:val="centerGroup"/>
-                              </m:oMathParaPr>
-                              <m:oMath xmlns:m="http://schemas.openxmlformats.org/officeDocument/2006/math">
-                                <m:r>
-                                  <a:rPr lang="es-MX" i="1" dirty="0" smtClean="0">
-                                    <a:solidFill>
-                                      <a:schemeClr val="accent2"/>
-                                    </a:solidFill>
-                                    <a:latin typeface="Cambria Math" panose="02040503050406030204" pitchFamily="18" charset="0"/>
-                                  </a:rPr>
-                                  <m:t>𝑝</m:t>
-                                </m:r>
-                                <m:r>
-                                  <a:rPr lang="es-MX" i="1" dirty="0" smtClean="0">
-                                    <a:solidFill>
-                                      <a:schemeClr val="accent2"/>
-                                    </a:solidFill>
-                                    <a:latin typeface="Cambria Math" panose="02040503050406030204" pitchFamily="18" charset="0"/>
-                                  </a:rPr>
-                                  <m:t>/</m:t>
-                                </m:r>
-                                <m:r>
-                                  <a:rPr lang="es-MX" i="1" dirty="0" smtClean="0">
-                                    <a:solidFill>
-                                      <a:schemeClr val="accent2"/>
-                                    </a:solidFill>
-                                    <a:latin typeface="Cambria Math" panose="02040503050406030204" pitchFamily="18" charset="0"/>
-                                  </a:rPr>
-                                  <m:t>𝑛</m:t>
-                                </m:r>
-                              </m:oMath>
-                            </m:oMathPara>
+                            <m:oMath xmlns:m="http://schemas.openxmlformats.org/officeDocument/2006/math">
+                              <m:r>
+                                <a:rPr lang="es-MX" i="1" dirty="0" smtClean="0">
+                                  <a:solidFill>
+                                    <a:schemeClr val="accent2"/>
+                                  </a:solidFill>
+                                  <a:latin typeface="Cambria Math" panose="02040503050406030204" pitchFamily="18" charset="0"/>
+                                </a:rPr>
+                                <m:t>𝑝</m:t>
+                              </m:r>
+                              <m:r>
+                                <a:rPr lang="es-MX" i="1" dirty="0" smtClean="0">
+                                  <a:solidFill>
+                                    <a:schemeClr val="accent2"/>
+                                  </a:solidFill>
+                                  <a:latin typeface="Cambria Math" panose="02040503050406030204" pitchFamily="18" charset="0"/>
+                                </a:rPr>
+                                <m:t>/</m:t>
+                              </m:r>
+                              <m:r>
+                                <a:rPr lang="es-MX" i="1" dirty="0" smtClean="0">
+                                  <a:solidFill>
+                                    <a:schemeClr val="accent2"/>
+                                  </a:solidFill>
+                                  <a:latin typeface="Cambria Math" panose="02040503050406030204" pitchFamily="18" charset="0"/>
+                                </a:rPr>
+                                <m:t>𝑛</m:t>
+                              </m:r>
+                            </m:oMath>
                           </a14:m>
-                          <a:endParaRPr lang="es-AR" dirty="0">
-                            <a:solidFill>
-                              <a:schemeClr val="accent2"/>
-                            </a:solidFill>
-                          </a:endParaRPr>
+                          <a:r>
+                            <a:rPr lang="es-AR" dirty="0">
+                              <a:solidFill>
+                                <a:schemeClr val="accent2"/>
+                              </a:solidFill>
+                            </a:rPr>
+                            <a:t> requerido</a:t>
+                          </a:r>
                         </a:p>
                       </a:txBody>
                       <a:tcPr anchor="ctr">
@@ -21448,7 +21419,7 @@
               <p:nvPr>
                 <p:extLst>
                   <p:ext uri="{D42A27DB-BD31-4B8C-83A1-F6EECF244321}">
-                    <p14:modId xmlns:p14="http://schemas.microsoft.com/office/powerpoint/2010/main" val="4080795816"/>
+                    <p14:modId xmlns:p14="http://schemas.microsoft.com/office/powerpoint/2010/main" val="3512715828"/>
                   </p:ext>
                 </p:extLst>
               </p:nvPr>
@@ -21471,14 +21442,14 @@
                         </a:ext>
                       </a:extLst>
                     </a:gridCol>
-                    <a:gridCol w="911646">
+                    <a:gridCol w="1032336">
                       <a:extLst>
                         <a:ext uri="{9D8B030D-6E8A-4147-A177-3AD203B41FA5}">
                           <a16:colId xmlns:a16="http://schemas.microsoft.com/office/drawing/2014/main" val="470915277"/>
                         </a:ext>
                       </a:extLst>
                     </a:gridCol>
-                    <a:gridCol w="1424763">
+                    <a:gridCol w="1304073">
                       <a:extLst>
                         <a:ext uri="{9D8B030D-6E8A-4147-A177-3AD203B41FA5}">
                           <a16:colId xmlns:a16="http://schemas.microsoft.com/office/drawing/2014/main" val="3296824070"/>
@@ -21601,7 +21572,7 @@
                         <a:blipFill>
                           <a:blip r:embed="rId3"/>
                           <a:stretch>
-                            <a:fillRect l="-135570" r="-673826" b="-498876"/>
+                            <a:fillRect l="-119527" r="-582249" b="-498876"/>
                           </a:stretch>
                         </a:blipFill>
                       </a:tcPr>

--- a/clase5/teorica_5.pptx
+++ b/clase5/teorica_5.pptx
@@ -9611,8 +9611,13 @@
             </a:pPr>
             <a:r>
               <a:rPr lang="es-AR" dirty="0"/>
-              <a:t>Diplomatura en Ciencias Sociales Computacionales y Humanidades Digitales (IDAES-UNSAM) – Marzo/Abril 2023</a:t>
+              <a:t>Diplomatura en Ciencias Sociales Computacionales y Humanidades Digitales (IDAES-UNSAM</a:t>
             </a:r>
+            <a:r>
+              <a:rPr lang="es-AR"/>
+              <a:t>) </a:t>
+            </a:r>
+            <a:endParaRPr lang="es-AR" dirty="0"/>
           </a:p>
         </p:txBody>
       </p:sp>
